--- a/13_DecisionTree.pptx
+++ b/13_DecisionTree.pptx
@@ -3475,7 +3475,7 @@
                   <a:srgbClr val="FFFF00"/>
                 </a:solidFill>
               </a:rPr>
-              <a:t>12 Introduction to Decision Tree</a:t>
+              <a:t>13 Introduction to Decision Tree</a:t>
             </a:r>
             <a:endParaRPr lang="zh-TW" altLang="en-US" sz="4800" b="1" dirty="0">
               <a:solidFill>
@@ -3673,7 +3673,7 @@
                   <a:srgbClr val="FFFF00"/>
                 </a:solidFill>
               </a:rPr>
-              <a:t>12.2 Build Tree</a:t>
+              <a:t>13.2 Build Tree</a:t>
             </a:r>
             <a:endParaRPr lang="zh-TW" altLang="en-US" b="1" dirty="0">
               <a:solidFill>
@@ -4047,7 +4047,7 @@
                   <a:srgbClr val="FFFF00"/>
                 </a:solidFill>
               </a:rPr>
-              <a:t>12.2 Build Tree</a:t>
+              <a:t>13.2 Build Tree</a:t>
             </a:r>
             <a:endParaRPr lang="zh-TW" altLang="en-US" b="1" dirty="0">
               <a:solidFill>
@@ -4379,7 +4379,7 @@
                   <a:srgbClr val="FFFF00"/>
                 </a:solidFill>
               </a:rPr>
-              <a:t>12.3 Decision Tree Example</a:t>
+              <a:t>13.3 Decision Tree Example</a:t>
             </a:r>
             <a:endParaRPr lang="zh-TW" altLang="en-US" sz="4800" b="1" dirty="0">
               <a:solidFill>
@@ -4552,7 +4552,7 @@
                   <a:srgbClr val="FFFF00"/>
                 </a:solidFill>
               </a:rPr>
-              <a:t>12.3 Decision Tree Example</a:t>
+              <a:t>13.3 Decision Tree Example</a:t>
             </a:r>
             <a:endParaRPr lang="zh-TW" altLang="en-US" b="1" dirty="0">
               <a:solidFill>
@@ -5096,7 +5096,7 @@
                   <a:srgbClr val="FFFF00"/>
                 </a:solidFill>
               </a:rPr>
-              <a:t>12.3 Decision Tree Example</a:t>
+              <a:t>13.3 Decision Tree Example</a:t>
             </a:r>
             <a:endParaRPr lang="zh-TW" altLang="en-US" b="1" dirty="0">
               <a:solidFill>
@@ -5415,7 +5415,7 @@
                   <a:srgbClr val="FFFF00"/>
                 </a:solidFill>
               </a:rPr>
-              <a:t>12.3 Decision Tree Example</a:t>
+              <a:t>13.3 Decision Tree Example</a:t>
             </a:r>
             <a:endParaRPr lang="zh-TW" altLang="en-US" b="1" dirty="0">
               <a:solidFill>
@@ -5734,7 +5734,7 @@
                   <a:srgbClr val="FFFF00"/>
                 </a:solidFill>
               </a:rPr>
-              <a:t>12.3 Decision Tree Example</a:t>
+              <a:t>13.3 Decision Tree Example</a:t>
             </a:r>
             <a:endParaRPr lang="zh-TW" altLang="en-US" b="1" dirty="0">
               <a:solidFill>
@@ -6029,7 +6029,7 @@
                   <a:srgbClr val="FFFF00"/>
                 </a:solidFill>
               </a:rPr>
-              <a:t>12.4 Display Decision Tree</a:t>
+              <a:t>13.4 Display Decision Tree</a:t>
             </a:r>
             <a:endParaRPr lang="zh-TW" altLang="en-US" sz="4800" b="1" dirty="0">
               <a:solidFill>
@@ -6202,7 +6202,7 @@
                   <a:srgbClr val="FFFF00"/>
                 </a:solidFill>
               </a:rPr>
-              <a:t>12.4 Display Decision Tree</a:t>
+              <a:t>13.4 Display Decision Tree</a:t>
             </a:r>
             <a:endParaRPr lang="zh-TW" altLang="en-US" b="1" dirty="0">
               <a:solidFill>
@@ -6521,7 +6521,7 @@
                   <a:srgbClr val="FFFF00"/>
                 </a:solidFill>
               </a:rPr>
-              <a:t>12.4 Display Decision Tree</a:t>
+              <a:t>13.4 Display Decision Tree</a:t>
             </a:r>
             <a:endParaRPr lang="zh-TW" altLang="en-US" b="1" dirty="0">
               <a:solidFill>
@@ -6972,7 +6972,7 @@
                   <a:srgbClr val="FFFF00"/>
                 </a:solidFill>
               </a:rPr>
-              <a:t>12 Introduction to Decision Tree</a:t>
+              <a:t>13 Introduction to Decision Tree</a:t>
             </a:r>
             <a:endParaRPr lang="zh-TW" altLang="en-US" b="1" dirty="0">
               <a:solidFill>
@@ -7292,7 +7292,7 @@
                   <a:srgbClr val="FFFF00"/>
                 </a:solidFill>
               </a:rPr>
-              <a:t>12.4 Display Decision Tree</a:t>
+              <a:t>13.4 Display Decision Tree</a:t>
             </a:r>
             <a:endParaRPr lang="zh-TW" altLang="en-US" b="1" dirty="0">
               <a:solidFill>
@@ -7587,7 +7587,7 @@
                   <a:srgbClr val="FFFF00"/>
                 </a:solidFill>
               </a:rPr>
-              <a:t>12.5 Summary of Decision Tree</a:t>
+              <a:t>13.5 Summary of Decision Tree</a:t>
             </a:r>
             <a:endParaRPr lang="zh-TW" altLang="en-US" sz="4800" b="1" dirty="0">
               <a:solidFill>
@@ -7760,7 +7760,7 @@
                   <a:srgbClr val="FFFF00"/>
                 </a:solidFill>
               </a:rPr>
-              <a:t>12.5 Summary of Decision Tree</a:t>
+              <a:t>13.5 Summary of Decision Tree</a:t>
             </a:r>
             <a:endParaRPr lang="zh-TW" altLang="en-US" b="1" dirty="0">
               <a:solidFill>
@@ -8283,7 +8283,7 @@
                   <a:srgbClr val="FFFF00"/>
                 </a:solidFill>
               </a:rPr>
-              <a:t>12 Introduction to Decision Tree</a:t>
+              <a:t>13 Introduction to Decision Tree</a:t>
             </a:r>
             <a:endParaRPr lang="zh-TW" altLang="en-US" b="1" dirty="0">
               <a:solidFill>
@@ -8619,7 +8619,7 @@
                   <a:srgbClr val="FFFF00"/>
                 </a:solidFill>
               </a:rPr>
-              <a:t>12 Introduction to Decision Tree</a:t>
+              <a:t>13 Introduction to Decision Tree</a:t>
             </a:r>
             <a:endParaRPr lang="zh-TW" altLang="en-US" b="1" dirty="0">
               <a:solidFill>
@@ -8946,7 +8946,7 @@
                   <a:srgbClr val="FFFF00"/>
                 </a:solidFill>
               </a:rPr>
-              <a:t>12.1 Decision Tree Algorithm</a:t>
+              <a:t>13.1 Decision Tree Algorithm</a:t>
             </a:r>
             <a:endParaRPr lang="zh-TW" altLang="en-US" sz="4800" b="1" dirty="0">
               <a:solidFill>
@@ -9119,7 +9119,7 @@
                   <a:srgbClr val="FFFF00"/>
                 </a:solidFill>
               </a:rPr>
-              <a:t>12.1 Decision Tree Algorithm</a:t>
+              <a:t>13.1 Decision Tree Algorithm</a:t>
             </a:r>
             <a:endParaRPr lang="zh-TW" altLang="en-US" b="1" dirty="0">
               <a:solidFill>
@@ -9574,7 +9574,7 @@
                   <a:srgbClr val="FFFF00"/>
                 </a:solidFill>
               </a:rPr>
-              <a:t>12.1 Decision Tree Algorithm</a:t>
+              <a:t>13.1 Decision Tree Algorithm</a:t>
             </a:r>
             <a:endParaRPr lang="zh-TW" altLang="en-US" b="1" dirty="0">
               <a:solidFill>
@@ -9948,7 +9948,7 @@
                   <a:srgbClr val="FFFF00"/>
                 </a:solidFill>
               </a:rPr>
-              <a:t>12.2 Build Tree</a:t>
+              <a:t>13.2 Build Tree</a:t>
             </a:r>
             <a:endParaRPr lang="zh-TW" altLang="en-US" sz="4800" b="1" dirty="0">
               <a:solidFill>
@@ -10121,7 +10121,7 @@
                   <a:srgbClr val="FFFF00"/>
                 </a:solidFill>
               </a:rPr>
-              <a:t>12.2 Build Tree</a:t>
+              <a:t>13.2 Build Tree</a:t>
             </a:r>
             <a:endParaRPr lang="zh-TW" altLang="en-US" b="1" dirty="0">
               <a:solidFill>
